--- a/content/resources/7-literate_programming/literate-programming.pptx
+++ b/content/resources/7-literate_programming/literate-programming.pptx
@@ -11,7 +11,6 @@
     <p:sldId id="257" r:id="rId5"/>
     <p:sldId id="258" r:id="rId6"/>
     <p:sldId id="261" r:id="rId7"/>
-    <p:sldId id="262" r:id="rId8"/>
   </p:sldIdLst>
   <p:sldSz cx="12192000" cy="6858000"/>
   <p:notesSz cx="6858000" cy="9144000"/>
@@ -110,6 +109,11 @@
       </a:defRPr>
     </a:lvl9pPr>
   </p:defaultTextStyle>
+  <p:extLst>
+    <p:ext uri="{EFAFB233-063F-42B5-8137-9DF3F51BA10A}">
+      <p15:sldGuideLst xmlns:p15="http://schemas.microsoft.com/office/powerpoint/2012/main"/>
+    </p:ext>
+  </p:extLst>
 </p:presentation>
 </file>
 
@@ -262,7 +266,7 @@
           <a:p>
             <a:fld id="{BDD67BF3-E900-432D-AB18-16BA9DC3A2FB}" type="datetimeFigureOut">
               <a:rPr lang="en-GB" smtClean="0"/>
-              <a:t>01/08/2022</a:t>
+              <a:t>02/08/2022</a:t>
             </a:fld>
             <a:endParaRPr lang="en-GB"/>
           </a:p>
@@ -462,7 +466,7 @@
           <a:p>
             <a:fld id="{BDD67BF3-E900-432D-AB18-16BA9DC3A2FB}" type="datetimeFigureOut">
               <a:rPr lang="en-GB" smtClean="0"/>
-              <a:t>01/08/2022</a:t>
+              <a:t>02/08/2022</a:t>
             </a:fld>
             <a:endParaRPr lang="en-GB"/>
           </a:p>
@@ -672,7 +676,7 @@
           <a:p>
             <a:fld id="{BDD67BF3-E900-432D-AB18-16BA9DC3A2FB}" type="datetimeFigureOut">
               <a:rPr lang="en-GB" smtClean="0"/>
-              <a:t>01/08/2022</a:t>
+              <a:t>02/08/2022</a:t>
             </a:fld>
             <a:endParaRPr lang="en-GB"/>
           </a:p>
@@ -872,7 +876,7 @@
           <a:p>
             <a:fld id="{BDD67BF3-E900-432D-AB18-16BA9DC3A2FB}" type="datetimeFigureOut">
               <a:rPr lang="en-GB" smtClean="0"/>
-              <a:t>01/08/2022</a:t>
+              <a:t>02/08/2022</a:t>
             </a:fld>
             <a:endParaRPr lang="en-GB"/>
           </a:p>
@@ -1148,7 +1152,7 @@
           <a:p>
             <a:fld id="{BDD67BF3-E900-432D-AB18-16BA9DC3A2FB}" type="datetimeFigureOut">
               <a:rPr lang="en-GB" smtClean="0"/>
-              <a:t>01/08/2022</a:t>
+              <a:t>02/08/2022</a:t>
             </a:fld>
             <a:endParaRPr lang="en-GB"/>
           </a:p>
@@ -1416,7 +1420,7 @@
           <a:p>
             <a:fld id="{BDD67BF3-E900-432D-AB18-16BA9DC3A2FB}" type="datetimeFigureOut">
               <a:rPr lang="en-GB" smtClean="0"/>
-              <a:t>01/08/2022</a:t>
+              <a:t>02/08/2022</a:t>
             </a:fld>
             <a:endParaRPr lang="en-GB"/>
           </a:p>
@@ -1831,7 +1835,7 @@
           <a:p>
             <a:fld id="{BDD67BF3-E900-432D-AB18-16BA9DC3A2FB}" type="datetimeFigureOut">
               <a:rPr lang="en-GB" smtClean="0"/>
-              <a:t>01/08/2022</a:t>
+              <a:t>02/08/2022</a:t>
             </a:fld>
             <a:endParaRPr lang="en-GB"/>
           </a:p>
@@ -1973,7 +1977,7 @@
           <a:p>
             <a:fld id="{BDD67BF3-E900-432D-AB18-16BA9DC3A2FB}" type="datetimeFigureOut">
               <a:rPr lang="en-GB" smtClean="0"/>
-              <a:t>01/08/2022</a:t>
+              <a:t>02/08/2022</a:t>
             </a:fld>
             <a:endParaRPr lang="en-GB"/>
           </a:p>
@@ -2086,7 +2090,7 @@
           <a:p>
             <a:fld id="{BDD67BF3-E900-432D-AB18-16BA9DC3A2FB}" type="datetimeFigureOut">
               <a:rPr lang="en-GB" smtClean="0"/>
-              <a:t>01/08/2022</a:t>
+              <a:t>02/08/2022</a:t>
             </a:fld>
             <a:endParaRPr lang="en-GB"/>
           </a:p>
@@ -2399,7 +2403,7 @@
           <a:p>
             <a:fld id="{BDD67BF3-E900-432D-AB18-16BA9DC3A2FB}" type="datetimeFigureOut">
               <a:rPr lang="en-GB" smtClean="0"/>
-              <a:t>01/08/2022</a:t>
+              <a:t>02/08/2022</a:t>
             </a:fld>
             <a:endParaRPr lang="en-GB"/>
           </a:p>
@@ -2688,7 +2692,7 @@
           <a:p>
             <a:fld id="{BDD67BF3-E900-432D-AB18-16BA9DC3A2FB}" type="datetimeFigureOut">
               <a:rPr lang="en-GB" smtClean="0"/>
-              <a:t>01/08/2022</a:t>
+              <a:t>02/08/2022</a:t>
             </a:fld>
             <a:endParaRPr lang="en-GB"/>
           </a:p>
@@ -2931,7 +2935,7 @@
           <a:p>
             <a:fld id="{BDD67BF3-E900-432D-AB18-16BA9DC3A2FB}" type="datetimeFigureOut">
               <a:rPr lang="en-GB" smtClean="0"/>
-              <a:t>01/08/2022</a:t>
+              <a:t>02/08/2022</a:t>
             </a:fld>
             <a:endParaRPr lang="en-GB"/>
           </a:p>
@@ -3835,7 +3839,19 @@
           <a:p>
             <a:r>
               <a:rPr lang="en-GB" dirty="0"/>
-              <a:t>unified authoring framework for data science, combining your</a:t>
+              <a:t>unified authoring framework for data science</a:t>
+            </a:r>
+            <a:r>
+              <a:rPr lang="en-GB"/>
+              <a:t>, </a:t>
+            </a:r>
+            <a:r>
+              <a:rPr lang="en-GB" smtClean="0"/>
+              <a:t>combining/interleaving </a:t>
+            </a:r>
+            <a:r>
+              <a:rPr lang="en-GB" dirty="0"/>
+              <a:t>your</a:t>
             </a:r>
           </a:p>
           <a:p>
@@ -3882,7 +3898,7 @@
           <p:nvPr/>
         </p:nvPicPr>
         <p:blipFill>
-          <a:blip r:embed="rId2">
+          <a:blip r:embed="rId2" cstate="hqprint">
             <a:extLst>
               <a:ext uri="{28A0092B-C50C-407E-A947-70E740481C1C}">
                 <a14:useLocalDpi xmlns:a14="http://schemas.microsoft.com/office/drawing/2010/main" val="0"/>
@@ -4020,8 +4036,20 @@
             <a:pPr lvl="1"/>
             <a:r>
               <a:rPr lang="en-GB" dirty="0"/>
-              <a:t>Shiny apps</a:t>
-            </a:r>
+              <a:t>Shiny </a:t>
+            </a:r>
+            <a:r>
+              <a:rPr lang="en-GB" dirty="0" smtClean="0"/>
+              <a:t>apps</a:t>
+            </a:r>
+          </a:p>
+          <a:p>
+            <a:pPr lvl="1"/>
+            <a:r>
+              <a:rPr lang="en-GB" dirty="0" smtClean="0"/>
+              <a:t>…</a:t>
+            </a:r>
+            <a:endParaRPr lang="en-GB" dirty="0"/>
           </a:p>
         </p:txBody>
       </p:sp>
@@ -4076,7 +4104,11 @@
           <a:bodyPr/>
           <a:lstStyle/>
           <a:p>
-            <a:endParaRPr lang="en-GB"/>
+            <a:r>
+              <a:rPr lang="en-GB" dirty="0" smtClean="0"/>
+              <a:t>Chunks</a:t>
+            </a:r>
+            <a:endParaRPr lang="en-GB" dirty="0"/>
           </a:p>
         </p:txBody>
       </p:sp>
@@ -4096,99 +4128,185 @@
             <p:ph idx="1"/>
           </p:nvPr>
         </p:nvSpPr>
-        <p:spPr/>
-        <p:txBody>
-          <a:bodyPr/>
-          <a:lstStyle/>
-          <a:p>
-            <a:endParaRPr lang="en-GB"/>
-          </a:p>
-        </p:txBody>
-      </p:sp>
+        <p:spPr>
+          <a:xfrm>
+            <a:off x="838200" y="1825625"/>
+            <a:ext cx="7126431" cy="4351338"/>
+          </a:xfrm>
+        </p:spPr>
+        <p:txBody>
+          <a:bodyPr>
+            <a:normAutofit fontScale="85000" lnSpcReduction="20000"/>
+          </a:bodyPr>
+          <a:lstStyle/>
+          <a:p>
+            <a:r>
+              <a:rPr lang="en-GB" dirty="0"/>
+              <a:t>There are two types of code in an </a:t>
+            </a:r>
+            <a:r>
+              <a:rPr lang="en-GB" dirty="0" err="1"/>
+              <a:t>Rmd</a:t>
+            </a:r>
+            <a:r>
+              <a:rPr lang="en-GB" dirty="0"/>
+              <a:t> document: code chunks and inline R </a:t>
+            </a:r>
+            <a:r>
+              <a:rPr lang="en-GB" dirty="0" smtClean="0"/>
+              <a:t>code</a:t>
+            </a:r>
+            <a:endParaRPr lang="en-GB" dirty="0"/>
+          </a:p>
+          <a:p>
+            <a:endParaRPr lang="en-GB" dirty="0" smtClean="0"/>
+          </a:p>
+          <a:p>
+            <a:pPr marL="0" indent="0">
+              <a:buNone/>
+            </a:pPr>
+            <a:r>
+              <a:rPr lang="en-GB" dirty="0" smtClean="0"/>
+              <a:t>```{</a:t>
+            </a:r>
+            <a:r>
+              <a:rPr lang="en-GB" dirty="0"/>
+              <a:t>r}</a:t>
+            </a:r>
+          </a:p>
+          <a:p>
+            <a:pPr marL="0" indent="0">
+              <a:buNone/>
+            </a:pPr>
+            <a:r>
+              <a:rPr lang="en-GB" dirty="0"/>
+              <a:t>x &lt;- 5  # radius of a circle</a:t>
+            </a:r>
+          </a:p>
+          <a:p>
+            <a:pPr marL="0" indent="0">
+              <a:buNone/>
+            </a:pPr>
+            <a:r>
+              <a:rPr lang="en-GB" dirty="0"/>
+              <a:t>```</a:t>
+            </a:r>
+          </a:p>
+          <a:p>
+            <a:endParaRPr lang="en-GB" dirty="0"/>
+          </a:p>
+          <a:p>
+            <a:pPr marL="0" indent="0">
+              <a:buNone/>
+            </a:pPr>
+            <a:r>
+              <a:rPr lang="en-GB" dirty="0"/>
+              <a:t>For a circle with the radius `r x</a:t>
+            </a:r>
+            <a:r>
+              <a:rPr lang="en-GB" dirty="0" smtClean="0"/>
+              <a:t>`, its </a:t>
+            </a:r>
+            <a:r>
+              <a:rPr lang="en-GB" dirty="0"/>
+              <a:t>area is `r pi * x^2</a:t>
+            </a:r>
+            <a:r>
+              <a:rPr lang="en-GB" dirty="0" smtClean="0"/>
+              <a:t>`.</a:t>
+            </a:r>
+          </a:p>
+          <a:p>
+            <a:pPr marL="0" indent="0">
+              <a:buNone/>
+            </a:pPr>
+            <a:endParaRPr lang="en-GB" dirty="0" smtClean="0"/>
+          </a:p>
+          <a:p>
+            <a:r>
+              <a:rPr lang="en-GB" dirty="0" smtClean="0"/>
+              <a:t>&gt; </a:t>
+            </a:r>
+            <a:r>
+              <a:rPr lang="en-GB" dirty="0"/>
+              <a:t>50 chunk options that can be used to fine-tune the </a:t>
+            </a:r>
+            <a:r>
+              <a:rPr lang="en-GB" dirty="0" err="1"/>
+              <a:t>behavior</a:t>
+            </a:r>
+            <a:r>
+              <a:rPr lang="en-GB" dirty="0"/>
+              <a:t> of </a:t>
+            </a:r>
+            <a:r>
+              <a:rPr lang="en-GB" b="1" dirty="0" err="1"/>
+              <a:t>knitr</a:t>
+            </a:r>
+            <a:r>
+              <a:rPr lang="en-GB" dirty="0"/>
+              <a:t> </a:t>
+            </a:r>
+            <a:r>
+              <a:rPr lang="en-GB" dirty="0" smtClean="0">
+                <a:hlinkClick r:id="rId2"/>
+              </a:rPr>
+              <a:t>https</a:t>
+            </a:r>
+            <a:r>
+              <a:rPr lang="en-GB" dirty="0">
+                <a:hlinkClick r:id="rId2"/>
+              </a:rPr>
+              <a:t>://yihui.org/knitr/options/</a:t>
+            </a:r>
+            <a:r>
+              <a:rPr lang="en-GB" dirty="0"/>
+              <a:t> for </a:t>
+            </a:r>
+            <a:r>
+              <a:rPr lang="en-GB" dirty="0" smtClean="0"/>
+              <a:t>full </a:t>
+            </a:r>
+            <a:r>
+              <a:rPr lang="en-GB" dirty="0"/>
+              <a:t>list of options</a:t>
+            </a:r>
+            <a:r>
+              <a:rPr lang="en-GB" dirty="0" smtClean="0"/>
+              <a:t>.</a:t>
+            </a:r>
+            <a:endParaRPr lang="en-GB" dirty="0"/>
+          </a:p>
+        </p:txBody>
+      </p:sp>
+      <p:pic>
+        <p:nvPicPr>
+          <p:cNvPr id="5" name="Picture 4"/>
+          <p:cNvPicPr>
+            <a:picLocks noChangeAspect="1"/>
+          </p:cNvPicPr>
+          <p:nvPr/>
+        </p:nvPicPr>
+        <p:blipFill>
+          <a:blip r:embed="rId3"/>
+          <a:stretch>
+            <a:fillRect/>
+          </a:stretch>
+        </p:blipFill>
+        <p:spPr>
+          <a:xfrm>
+            <a:off x="7964631" y="365125"/>
+            <a:ext cx="3667743" cy="2053936"/>
+          </a:xfrm>
+          <a:prstGeom prst="rect">
+            <a:avLst/>
+          </a:prstGeom>
+        </p:spPr>
+      </p:pic>
     </p:spTree>
     <p:extLst>
       <p:ext uri="{BB962C8B-B14F-4D97-AF65-F5344CB8AC3E}">
         <p14:creationId xmlns:p14="http://schemas.microsoft.com/office/powerpoint/2010/main" val="3986202135"/>
-      </p:ext>
-    </p:extLst>
-  </p:cSld>
-  <p:clrMapOvr>
-    <a:masterClrMapping/>
-  </p:clrMapOvr>
-</p:sld>
-</file>
-
-<file path=ppt/slides/slide7.xml><?xml version="1.0" encoding="utf-8"?>
-<p:sld xmlns:a="http://schemas.openxmlformats.org/drawingml/2006/main" xmlns:r="http://schemas.openxmlformats.org/officeDocument/2006/relationships" xmlns:p="http://schemas.openxmlformats.org/presentationml/2006/main">
-  <p:cSld>
-    <p:spTree>
-      <p:nvGrpSpPr>
-        <p:cNvPr id="1" name=""/>
-        <p:cNvGrpSpPr/>
-        <p:nvPr/>
-      </p:nvGrpSpPr>
-      <p:grpSpPr>
-        <a:xfrm>
-          <a:off x="0" y="0"/>
-          <a:ext cx="0" cy="0"/>
-          <a:chOff x="0" y="0"/>
-          <a:chExt cx="0" cy="0"/>
-        </a:xfrm>
-      </p:grpSpPr>
-      <p:sp>
-        <p:nvSpPr>
-          <p:cNvPr id="2" name="Title 1">
-            <a:extLst>
-              <a:ext uri="{FF2B5EF4-FFF2-40B4-BE49-F238E27FC236}">
-                <a16:creationId xmlns:a16="http://schemas.microsoft.com/office/drawing/2014/main" id="{20A57DB0-1D0C-1D29-8939-9B5D16E7F460}"/>
-              </a:ext>
-            </a:extLst>
-          </p:cNvPr>
-          <p:cNvSpPr>
-            <a:spLocks noGrp="1"/>
-          </p:cNvSpPr>
-          <p:nvPr>
-            <p:ph type="title"/>
-          </p:nvPr>
-        </p:nvSpPr>
-        <p:spPr/>
-        <p:txBody>
-          <a:bodyPr/>
-          <a:lstStyle/>
-          <a:p>
-            <a:endParaRPr lang="en-GB"/>
-          </a:p>
-        </p:txBody>
-      </p:sp>
-      <p:sp>
-        <p:nvSpPr>
-          <p:cNvPr id="3" name="Content Placeholder 2">
-            <a:extLst>
-              <a:ext uri="{FF2B5EF4-FFF2-40B4-BE49-F238E27FC236}">
-                <a16:creationId xmlns:a16="http://schemas.microsoft.com/office/drawing/2014/main" id="{27FDD8F8-0137-5972-9159-A0ACDDD68CA7}"/>
-              </a:ext>
-            </a:extLst>
-          </p:cNvPr>
-          <p:cNvSpPr>
-            <a:spLocks noGrp="1"/>
-          </p:cNvSpPr>
-          <p:nvPr>
-            <p:ph idx="1"/>
-          </p:nvPr>
-        </p:nvSpPr>
-        <p:spPr/>
-        <p:txBody>
-          <a:bodyPr/>
-          <a:lstStyle/>
-          <a:p>
-            <a:endParaRPr lang="en-GB"/>
-          </a:p>
-        </p:txBody>
-      </p:sp>
-    </p:spTree>
-    <p:extLst>
-      <p:ext uri="{BB962C8B-B14F-4D97-AF65-F5344CB8AC3E}">
-        <p14:creationId xmlns:p14="http://schemas.microsoft.com/office/powerpoint/2010/main" val="1444902451"/>
       </p:ext>
     </p:extLst>
   </p:cSld>
